--- a/instructions.pptx
+++ b/instructions.pptx
@@ -4258,10 +4258,7 @@
             </a:pathLst>
           </a:custGeom>
           <a:solidFill>
-            <a:schemeClr val="tx1">
-              <a:lumMod val="65000"/>
-              <a:lumOff val="35000"/>
-            </a:schemeClr>
+            <a:schemeClr val="tx2"/>
           </a:solidFill>
           <a:ln>
             <a:noFill/>
